--- a/Documents/Arduino Basics.pptx
+++ b/Documents/Arduino Basics.pptx
@@ -227,7 +227,7 @@
           <a:p>
             <a:fld id="{854DB326-07A1-441E-9825-A0DFECF8E4C7}" type="datetimeFigureOut">
               <a:rPr lang="nl-NL" smtClean="0"/>
-              <a:t>15-5-2017</a:t>
+              <a:t>26-10-2017</a:t>
             </a:fld>
             <a:endParaRPr lang="nl-NL"/>
           </a:p>
@@ -1716,7 +1716,7 @@
           <a:p>
             <a:fld id="{96DFF08F-DC6B-4601-B491-B0F83F6DD2DA}" type="datetimeFigureOut">
               <a:rPr lang="en-US" dirty="0"/>
-              <a:t>5/15/2017</a:t>
+              <a:t>10/26/2017</a:t>
             </a:fld>
             <a:endParaRPr lang="en-US" dirty="0"/>
           </a:p>
@@ -1932,7 +1932,7 @@
           <a:p>
             <a:fld id="{96DFF08F-DC6B-4601-B491-B0F83F6DD2DA}" type="datetimeFigureOut">
               <a:rPr lang="en-US" dirty="0"/>
-              <a:t>5/15/2017</a:t>
+              <a:t>10/26/2017</a:t>
             </a:fld>
             <a:endParaRPr lang="en-US" dirty="0"/>
           </a:p>
@@ -2107,7 +2107,7 @@
           <a:p>
             <a:fld id="{96DFF08F-DC6B-4601-B491-B0F83F6DD2DA}" type="datetimeFigureOut">
               <a:rPr lang="en-US" dirty="0"/>
-              <a:t>5/15/2017</a:t>
+              <a:t>10/26/2017</a:t>
             </a:fld>
             <a:endParaRPr lang="en-US" dirty="0"/>
           </a:p>
@@ -2272,7 +2272,7 @@
           <a:p>
             <a:fld id="{96DFF08F-DC6B-4601-B491-B0F83F6DD2DA}" type="datetimeFigureOut">
               <a:rPr lang="en-US" dirty="0"/>
-              <a:t>5/15/2017</a:t>
+              <a:t>10/26/2017</a:t>
             </a:fld>
             <a:endParaRPr lang="en-US" dirty="0"/>
           </a:p>
@@ -2518,7 +2518,7 @@
           <a:p>
             <a:fld id="{96DFF08F-DC6B-4601-B491-B0F83F6DD2DA}" type="datetimeFigureOut">
               <a:rPr lang="en-US" dirty="0"/>
-              <a:t>5/15/2017</a:t>
+              <a:t>10/26/2017</a:t>
             </a:fld>
             <a:endParaRPr lang="en-US" dirty="0"/>
           </a:p>
@@ -2836,7 +2836,7 @@
           <a:p>
             <a:fld id="{96DFF08F-DC6B-4601-B491-B0F83F6DD2DA}" type="datetimeFigureOut">
               <a:rPr lang="en-US" dirty="0"/>
-              <a:t>5/15/2017</a:t>
+              <a:t>10/26/2017</a:t>
             </a:fld>
             <a:endParaRPr lang="en-US" dirty="0"/>
           </a:p>
@@ -3255,7 +3255,7 @@
           <a:p>
             <a:fld id="{96DFF08F-DC6B-4601-B491-B0F83F6DD2DA}" type="datetimeFigureOut">
               <a:rPr lang="en-US" dirty="0"/>
-              <a:t>5/15/2017</a:t>
+              <a:t>10/26/2017</a:t>
             </a:fld>
             <a:endParaRPr lang="en-US" dirty="0"/>
           </a:p>
@@ -3368,7 +3368,7 @@
           <a:p>
             <a:fld id="{96DFF08F-DC6B-4601-B491-B0F83F6DD2DA}" type="datetimeFigureOut">
               <a:rPr lang="en-US" dirty="0"/>
-              <a:t>5/15/2017</a:t>
+              <a:t>10/26/2017</a:t>
             </a:fld>
             <a:endParaRPr lang="en-US" dirty="0"/>
           </a:p>
@@ -3458,7 +3458,7 @@
           <a:p>
             <a:fld id="{96DFF08F-DC6B-4601-B491-B0F83F6DD2DA}" type="datetimeFigureOut">
               <a:rPr lang="en-US" dirty="0"/>
-              <a:t>5/15/2017</a:t>
+              <a:t>10/26/2017</a:t>
             </a:fld>
             <a:endParaRPr lang="en-US" dirty="0"/>
           </a:p>
@@ -3743,7 +3743,7 @@
           <a:p>
             <a:fld id="{96DFF08F-DC6B-4601-B491-B0F83F6DD2DA}" type="datetimeFigureOut">
               <a:rPr lang="en-US" dirty="0"/>
-              <a:t>5/15/2017</a:t>
+              <a:t>10/26/2017</a:t>
             </a:fld>
             <a:endParaRPr lang="en-US" dirty="0"/>
           </a:p>
@@ -4010,7 +4010,7 @@
           <a:p>
             <a:fld id="{96DFF08F-DC6B-4601-B491-B0F83F6DD2DA}" type="datetimeFigureOut">
               <a:rPr lang="en-US" dirty="0"/>
-              <a:t>5/15/2017</a:t>
+              <a:t>10/26/2017</a:t>
             </a:fld>
             <a:endParaRPr lang="en-US" dirty="0"/>
           </a:p>
@@ -4260,7 +4260,7 @@
             <a:fld id="{96DFF08F-DC6B-4601-B491-B0F83F6DD2DA}" type="datetimeFigureOut">
               <a:rPr lang="en-US" dirty="0"/>
               <a:pPr/>
-              <a:t>5/15/2017</a:t>
+              <a:t>10/26/2017</a:t>
             </a:fld>
             <a:endParaRPr lang="en-US" dirty="0"/>
           </a:p>
@@ -7242,6 +7242,34 @@
               <a:rPr lang="en-US" dirty="0"/>
               <a:t>Arduino IDE</a:t>
             </a:r>
+          </a:p>
+          <a:p>
+            <a:pPr>
+              <a:buFont typeface="Wingdings" panose="05000000000000000000" pitchFamily="2" charset="2"/>
+              <a:buChar char="§"/>
+            </a:pPr>
+            <a:endParaRPr lang="en-US" dirty="0"/>
+          </a:p>
+          <a:p>
+            <a:pPr>
+              <a:buFont typeface="Wingdings" panose="05000000000000000000" pitchFamily="2" charset="2"/>
+              <a:buChar char="§"/>
+            </a:pPr>
+            <a:r>
+              <a:rPr lang="en-US" dirty="0"/>
+              <a:t>GitHub:	</a:t>
+            </a:r>
+            <a:r>
+              <a:rPr lang="nl-NL" dirty="0"/>
+              <a:t>https://goo.gl/4EESUY</a:t>
+            </a:r>
+            <a:endParaRPr lang="en-US" dirty="0"/>
+          </a:p>
+          <a:p>
+            <a:pPr>
+              <a:buFont typeface="Wingdings" panose="05000000000000000000" pitchFamily="2" charset="2"/>
+              <a:buChar char="§"/>
+            </a:pPr>
             <a:endParaRPr lang="nl-NL" dirty="0"/>
           </a:p>
         </p:txBody>

--- a/Documents/Arduino Basics.pptx
+++ b/Documents/Arduino Basics.pptx
@@ -227,7 +227,7 @@
           <a:p>
             <a:fld id="{854DB326-07A1-441E-9825-A0DFECF8E4C7}" type="datetimeFigureOut">
               <a:rPr lang="nl-NL" smtClean="0"/>
-              <a:t>26-10-2017</a:t>
+              <a:t>30-10-2017</a:t>
             </a:fld>
             <a:endParaRPr lang="nl-NL"/>
           </a:p>
@@ -1716,7 +1716,7 @@
           <a:p>
             <a:fld id="{96DFF08F-DC6B-4601-B491-B0F83F6DD2DA}" type="datetimeFigureOut">
               <a:rPr lang="en-US" dirty="0"/>
-              <a:t>10/26/2017</a:t>
+              <a:t>10/30/2017</a:t>
             </a:fld>
             <a:endParaRPr lang="en-US" dirty="0"/>
           </a:p>
@@ -1932,7 +1932,7 @@
           <a:p>
             <a:fld id="{96DFF08F-DC6B-4601-B491-B0F83F6DD2DA}" type="datetimeFigureOut">
               <a:rPr lang="en-US" dirty="0"/>
-              <a:t>10/26/2017</a:t>
+              <a:t>10/30/2017</a:t>
             </a:fld>
             <a:endParaRPr lang="en-US" dirty="0"/>
           </a:p>
@@ -2107,7 +2107,7 @@
           <a:p>
             <a:fld id="{96DFF08F-DC6B-4601-B491-B0F83F6DD2DA}" type="datetimeFigureOut">
               <a:rPr lang="en-US" dirty="0"/>
-              <a:t>10/26/2017</a:t>
+              <a:t>10/30/2017</a:t>
             </a:fld>
             <a:endParaRPr lang="en-US" dirty="0"/>
           </a:p>
@@ -2272,7 +2272,7 @@
           <a:p>
             <a:fld id="{96DFF08F-DC6B-4601-B491-B0F83F6DD2DA}" type="datetimeFigureOut">
               <a:rPr lang="en-US" dirty="0"/>
-              <a:t>10/26/2017</a:t>
+              <a:t>10/30/2017</a:t>
             </a:fld>
             <a:endParaRPr lang="en-US" dirty="0"/>
           </a:p>
@@ -2518,7 +2518,7 @@
           <a:p>
             <a:fld id="{96DFF08F-DC6B-4601-B491-B0F83F6DD2DA}" type="datetimeFigureOut">
               <a:rPr lang="en-US" dirty="0"/>
-              <a:t>10/26/2017</a:t>
+              <a:t>10/30/2017</a:t>
             </a:fld>
             <a:endParaRPr lang="en-US" dirty="0"/>
           </a:p>
@@ -2836,7 +2836,7 @@
           <a:p>
             <a:fld id="{96DFF08F-DC6B-4601-B491-B0F83F6DD2DA}" type="datetimeFigureOut">
               <a:rPr lang="en-US" dirty="0"/>
-              <a:t>10/26/2017</a:t>
+              <a:t>10/30/2017</a:t>
             </a:fld>
             <a:endParaRPr lang="en-US" dirty="0"/>
           </a:p>
@@ -3255,7 +3255,7 @@
           <a:p>
             <a:fld id="{96DFF08F-DC6B-4601-B491-B0F83F6DD2DA}" type="datetimeFigureOut">
               <a:rPr lang="en-US" dirty="0"/>
-              <a:t>10/26/2017</a:t>
+              <a:t>10/30/2017</a:t>
             </a:fld>
             <a:endParaRPr lang="en-US" dirty="0"/>
           </a:p>
@@ -3368,7 +3368,7 @@
           <a:p>
             <a:fld id="{96DFF08F-DC6B-4601-B491-B0F83F6DD2DA}" type="datetimeFigureOut">
               <a:rPr lang="en-US" dirty="0"/>
-              <a:t>10/26/2017</a:t>
+              <a:t>10/30/2017</a:t>
             </a:fld>
             <a:endParaRPr lang="en-US" dirty="0"/>
           </a:p>
@@ -3458,7 +3458,7 @@
           <a:p>
             <a:fld id="{96DFF08F-DC6B-4601-B491-B0F83F6DD2DA}" type="datetimeFigureOut">
               <a:rPr lang="en-US" dirty="0"/>
-              <a:t>10/26/2017</a:t>
+              <a:t>10/30/2017</a:t>
             </a:fld>
             <a:endParaRPr lang="en-US" dirty="0"/>
           </a:p>
@@ -3743,7 +3743,7 @@
           <a:p>
             <a:fld id="{96DFF08F-DC6B-4601-B491-B0F83F6DD2DA}" type="datetimeFigureOut">
               <a:rPr lang="en-US" dirty="0"/>
-              <a:t>10/26/2017</a:t>
+              <a:t>10/30/2017</a:t>
             </a:fld>
             <a:endParaRPr lang="en-US" dirty="0"/>
           </a:p>
@@ -4010,7 +4010,7 @@
           <a:p>
             <a:fld id="{96DFF08F-DC6B-4601-B491-B0F83F6DD2DA}" type="datetimeFigureOut">
               <a:rPr lang="en-US" dirty="0"/>
-              <a:t>10/26/2017</a:t>
+              <a:t>10/30/2017</a:t>
             </a:fld>
             <a:endParaRPr lang="en-US" dirty="0"/>
           </a:p>
@@ -4260,7 +4260,7 @@
             <a:fld id="{96DFF08F-DC6B-4601-B491-B0F83F6DD2DA}" type="datetimeFigureOut">
               <a:rPr lang="en-US" dirty="0"/>
               <a:pPr/>
-              <a:t>10/26/2017</a:t>
+              <a:t>10/30/2017</a:t>
             </a:fld>
             <a:endParaRPr lang="en-US" dirty="0"/>
           </a:p>
@@ -4737,11 +4737,11 @@
               <a:t>Arduino</a:t>
             </a:r>
             <a:br>
-              <a:rPr lang="en-US" dirty="0"/>
+              <a:rPr lang="en-US"/>
             </a:br>
             <a:r>
-              <a:rPr lang="en-US" dirty="0"/>
-              <a:t>explained</a:t>
+              <a:rPr lang="en-US"/>
+              <a:t>Basics</a:t>
             </a:r>
             <a:endParaRPr lang="nl-NL" dirty="0"/>
           </a:p>
@@ -7261,7 +7261,16 @@
             </a:r>
             <a:r>
               <a:rPr lang="nl-NL" dirty="0"/>
-              <a:t>https://goo.gl/4EESUY</a:t>
+              <a:t>https://goo.gl/4EESUY	</a:t>
+            </a:r>
+          </a:p>
+          <a:p>
+            <a:pPr marL="1671400" lvl="6" indent="0">
+              <a:buNone/>
+            </a:pPr>
+            <a:r>
+              <a:rPr lang="nl-NL" dirty="0"/>
+              <a:t>	Download hier alle bestanden die nodig zijn voor de workshop</a:t>
             </a:r>
             <a:endParaRPr lang="en-US" dirty="0"/>
           </a:p>
@@ -8144,15 +8153,7 @@
             </a:pPr>
             <a:r>
               <a:rPr lang="en-US" sz="1600" dirty="0"/>
-              <a:t>for(int i = 0; i &lt; 10; i++) { </a:t>
-            </a:r>
-            <a:r>
-              <a:rPr lang="en-US" sz="1600" dirty="0" err="1"/>
-              <a:t>doe_iets_i_keer</a:t>
-            </a:r>
-            <a:r>
-              <a:rPr lang="en-US" sz="1600" dirty="0"/>
-              <a:t>(); }</a:t>
+              <a:t>for(int i = 0; i &lt; 10; i++) { doe_iets_i_keer(); }</a:t>
             </a:r>
           </a:p>
           <a:p>
